--- a/Proposal _incubator.pptx
+++ b/Proposal _incubator.pptx
@@ -112,6 +112,11 @@
       </a:defRPr>
     </a:lvl9pPr>
   </p:defaultTextStyle>
+  <p:extLst>
+    <p:ext uri="{EFAFB233-063F-42B5-8137-9DF3F51BA10A}">
+      <p15:sldGuideLst xmlns:p15="http://schemas.microsoft.com/office/powerpoint/2012/main"/>
+    </p:ext>
+  </p:extLst>
 </p:presentation>
 </file>
 

--- a/Proposal _incubator.pptx
+++ b/Proposal _incubator.pptx
@@ -16345,6 +16345,52 @@
           </a:p>
         </p:txBody>
       </p:sp>
+      <p:sp>
+        <p:nvSpPr>
+          <p:cNvPr id="3" name="Rectangle 2">
+            <a:extLst>
+              <a:ext uri="{FF2B5EF4-FFF2-40B4-BE49-F238E27FC236}">
+                <a16:creationId xmlns:a16="http://schemas.microsoft.com/office/drawing/2014/main" id="{BD334CFC-286A-48BD-9B2F-967E11E52FF3}"/>
+              </a:ext>
+            </a:extLst>
+          </p:cNvPr>
+          <p:cNvSpPr/>
+          <p:nvPr/>
+        </p:nvSpPr>
+        <p:spPr>
+          <a:xfrm>
+            <a:off x="2696817" y="4068417"/>
+            <a:ext cx="5102087" cy="596348"/>
+          </a:xfrm>
+          <a:prstGeom prst="rect">
+            <a:avLst/>
+          </a:prstGeom>
+        </p:spPr>
+        <p:style>
+          <a:lnRef idx="2">
+            <a:schemeClr val="accent1">
+              <a:shade val="50000"/>
+            </a:schemeClr>
+          </a:lnRef>
+          <a:fillRef idx="1">
+            <a:schemeClr val="accent1"/>
+          </a:fillRef>
+          <a:effectRef idx="0">
+            <a:schemeClr val="accent1"/>
+          </a:effectRef>
+          <a:fontRef idx="minor">
+            <a:schemeClr val="lt1"/>
+          </a:fontRef>
+        </p:style>
+        <p:txBody>
+          <a:bodyPr rtlCol="0" anchor="ctr"/>
+          <a:lstStyle/>
+          <a:p>
+            <a:pPr algn="ctr"/>
+            <a:endParaRPr lang="en-US"/>
+          </a:p>
+        </p:txBody>
+      </p:sp>
       <p:graphicFrame>
         <p:nvGraphicFramePr>
           <p:cNvPr id="4" name="Content Placeholder 3">
@@ -16360,7 +16406,7 @@
           <p:nvPr>
             <p:extLst>
               <p:ext uri="{D42A27DB-BD31-4B8C-83A1-F6EECF244321}">
-                <p14:modId xmlns:p14="http://schemas.microsoft.com/office/powerpoint/2010/main" val="398940411"/>
+                <p14:modId xmlns:p14="http://schemas.microsoft.com/office/powerpoint/2010/main" val="400422582"/>
               </p:ext>
             </p:extLst>
           </p:nvPr>
@@ -16375,6 +16421,173 @@
           </a:graphicData>
         </a:graphic>
       </p:graphicFrame>
+      <p:sp>
+        <p:nvSpPr>
+          <p:cNvPr id="6" name="Rectangle 5">
+            <a:extLst>
+              <a:ext uri="{FF2B5EF4-FFF2-40B4-BE49-F238E27FC236}">
+                <a16:creationId xmlns:a16="http://schemas.microsoft.com/office/drawing/2014/main" id="{EA7BF655-D57C-48CE-B04D-95D1C71ECDC8}"/>
+              </a:ext>
+            </a:extLst>
+          </p:cNvPr>
+          <p:cNvSpPr/>
+          <p:nvPr/>
+        </p:nvSpPr>
+        <p:spPr>
+          <a:xfrm>
+            <a:off x="2696817" y="4664765"/>
+            <a:ext cx="5102087" cy="205409"/>
+          </a:xfrm>
+          <a:prstGeom prst="rect">
+            <a:avLst/>
+          </a:prstGeom>
+          <a:noFill/>
+          <a:ln w="19050"/>
+        </p:spPr>
+        <p:style>
+          <a:lnRef idx="2">
+            <a:schemeClr val="accent2"/>
+          </a:lnRef>
+          <a:fillRef idx="1">
+            <a:schemeClr val="lt1"/>
+          </a:fillRef>
+          <a:effectRef idx="0">
+            <a:schemeClr val="accent2"/>
+          </a:effectRef>
+          <a:fontRef idx="minor">
+            <a:schemeClr val="dk1"/>
+          </a:fontRef>
+        </p:style>
+        <p:txBody>
+          <a:bodyPr rtlCol="0" anchor="ctr"/>
+          <a:lstStyle/>
+          <a:p>
+            <a:pPr algn="ctr"/>
+            <a:endParaRPr lang="en-US"/>
+          </a:p>
+        </p:txBody>
+      </p:sp>
+      <p:sp>
+        <p:nvSpPr>
+          <p:cNvPr id="7" name="Rectangle 6">
+            <a:extLst>
+              <a:ext uri="{FF2B5EF4-FFF2-40B4-BE49-F238E27FC236}">
+                <a16:creationId xmlns:a16="http://schemas.microsoft.com/office/drawing/2014/main" id="{7DF5362F-6D46-4B9C-8733-0D2DC6E634E5}"/>
+              </a:ext>
+            </a:extLst>
+          </p:cNvPr>
+          <p:cNvSpPr/>
+          <p:nvPr/>
+        </p:nvSpPr>
+        <p:spPr>
+          <a:xfrm>
+            <a:off x="2703442" y="4892468"/>
+            <a:ext cx="5102087" cy="596348"/>
+          </a:xfrm>
+          <a:prstGeom prst="rect">
+            <a:avLst/>
+          </a:prstGeom>
+          <a:noFill/>
+          <a:ln w="12700">
+            <a:solidFill>
+              <a:srgbClr val="00B050"/>
+            </a:solidFill>
+          </a:ln>
+        </p:spPr>
+        <p:style>
+          <a:lnRef idx="0">
+            <a:schemeClr val="accent6"/>
+          </a:lnRef>
+          <a:fillRef idx="3">
+            <a:schemeClr val="accent6"/>
+          </a:fillRef>
+          <a:effectRef idx="3">
+            <a:schemeClr val="accent6"/>
+          </a:effectRef>
+          <a:fontRef idx="minor">
+            <a:schemeClr val="lt1"/>
+          </a:fontRef>
+        </p:style>
+        <p:txBody>
+          <a:bodyPr rtlCol="0" anchor="ctr"/>
+          <a:lstStyle/>
+          <a:p>
+            <a:pPr algn="ctr"/>
+            <a:endParaRPr lang="en-US"/>
+          </a:p>
+        </p:txBody>
+      </p:sp>
+      <p:sp>
+        <p:nvSpPr>
+          <p:cNvPr id="8" name="TextBox 7">
+            <a:extLst>
+              <a:ext uri="{FF2B5EF4-FFF2-40B4-BE49-F238E27FC236}">
+                <a16:creationId xmlns:a16="http://schemas.microsoft.com/office/drawing/2014/main" id="{A1695024-4FA6-4377-BE01-BAF869417470}"/>
+              </a:ext>
+            </a:extLst>
+          </p:cNvPr>
+          <p:cNvSpPr txBox="1"/>
+          <p:nvPr/>
+        </p:nvSpPr>
+        <p:spPr>
+          <a:xfrm>
+            <a:off x="7870135" y="4105749"/>
+            <a:ext cx="3657600" cy="1323439"/>
+          </a:xfrm>
+          <a:prstGeom prst="rect">
+            <a:avLst/>
+          </a:prstGeom>
+          <a:noFill/>
+        </p:spPr>
+        <p:txBody>
+          <a:bodyPr wrap="square" rtlCol="0">
+            <a:spAutoFit/>
+          </a:bodyPr>
+          <a:lstStyle/>
+          <a:p>
+            <a:pPr>
+              <a:lnSpc>
+                <a:spcPct val="200000"/>
+              </a:lnSpc>
+            </a:pPr>
+            <a:r>
+              <a:rPr lang="en-US" sz="1600" dirty="0">
+                <a:solidFill>
+                  <a:schemeClr val="accent1">
+                    <a:lumMod val="60000"/>
+                    <a:lumOff val="40000"/>
+                  </a:schemeClr>
+                </a:solidFill>
+              </a:rPr>
+              <a:t>Hospital Capacity</a:t>
+            </a:r>
+          </a:p>
+          <a:p>
+            <a:r>
+              <a:rPr lang="en-US" sz="1600" dirty="0">
+                <a:solidFill>
+                  <a:schemeClr val="accent2">
+                    <a:lumMod val="75000"/>
+                  </a:schemeClr>
+                </a:solidFill>
+              </a:rPr>
+              <a:t>Current COVID Hospitalization</a:t>
+            </a:r>
+          </a:p>
+          <a:p>
+            <a:r>
+              <a:rPr lang="en-US" sz="1600" dirty="0">
+                <a:solidFill>
+                  <a:schemeClr val="accent6">
+                    <a:lumMod val="75000"/>
+                  </a:schemeClr>
+                </a:solidFill>
+              </a:rPr>
+              <a:t>Demographic and epidemiological risk factors in COVID hospitalization</a:t>
+            </a:r>
+          </a:p>
+        </p:txBody>
+      </p:sp>
     </p:spTree>
     <p:extLst>
       <p:ext uri="{BB962C8B-B14F-4D97-AF65-F5344CB8AC3E}">
